--- a/docpac_14091222/Weekly Review.pptx
+++ b/docpac_14091222/Weekly Review.pptx
@@ -196,7 +196,7 @@
   <pc:docChgLst>
     <pc:chgData name="Christopher Smith" userId="dd7fc2d5-9988-40ef-9498-c94fd49fd9a4" providerId="ADAL" clId="{15AE9901-C18F-405B-BE92-F2413947EFD8}"/>
     <pc:docChg chg="custSel addSld delSld modSld">
-      <pc:chgData name="Christopher Smith" userId="dd7fc2d5-9988-40ef-9498-c94fd49fd9a4" providerId="ADAL" clId="{15AE9901-C18F-405B-BE92-F2413947EFD8}" dt="2022-12-05T18:32:10.808" v="4467" actId="14"/>
+      <pc:chgData name="Christopher Smith" userId="dd7fc2d5-9988-40ef-9498-c94fd49fd9a4" providerId="ADAL" clId="{15AE9901-C18F-405B-BE92-F2413947EFD8}" dt="2022-12-05T18:34:30.260" v="4630" actId="20577"/>
       <pc:docMkLst>
         <pc:docMk/>
       </pc:docMkLst>
@@ -361,7 +361,7 @@
         </pc:spChg>
       </pc:sldChg>
       <pc:sldChg chg="modSp add">
-        <pc:chgData name="Christopher Smith" userId="dd7fc2d5-9988-40ef-9498-c94fd49fd9a4" providerId="ADAL" clId="{15AE9901-C18F-405B-BE92-F2413947EFD8}" dt="2022-12-05T18:32:10.808" v="4467" actId="14"/>
+        <pc:chgData name="Christopher Smith" userId="dd7fc2d5-9988-40ef-9498-c94fd49fd9a4" providerId="ADAL" clId="{15AE9901-C18F-405B-BE92-F2413947EFD8}" dt="2022-12-05T18:34:30.260" v="4630" actId="20577"/>
         <pc:sldMkLst>
           <pc:docMk/>
           <pc:sldMk cId="4224663803" sldId="264"/>
@@ -375,7 +375,7 @@
           </ac:spMkLst>
         </pc:spChg>
         <pc:spChg chg="mod">
-          <ac:chgData name="Christopher Smith" userId="dd7fc2d5-9988-40ef-9498-c94fd49fd9a4" providerId="ADAL" clId="{15AE9901-C18F-405B-BE92-F2413947EFD8}" dt="2022-12-05T18:32:10.808" v="4467" actId="14"/>
+          <ac:chgData name="Christopher Smith" userId="dd7fc2d5-9988-40ef-9498-c94fd49fd9a4" providerId="ADAL" clId="{15AE9901-C18F-405B-BE92-F2413947EFD8}" dt="2022-12-05T18:34:30.260" v="4630" actId="20577"/>
           <ac:spMkLst>
             <pc:docMk/>
             <pc:sldMk cId="4224663803" sldId="264"/>
@@ -6858,12 +6858,26 @@
             <a:pPr lvl="1"/>
             <a:r>
               <a:rPr lang="en-US" dirty="0"/>
-              <a:t>Ryan now has enough pogs to buy a $</a:t>
+              <a:t>Ryan now has enough pogs to buy a $100 monitor</a:t>
+            </a:r>
+          </a:p>
+          <a:p>
+            <a:r>
+              <a:rPr lang="en-US" dirty="0"/>
+              <a:t>Brandon Camacho – Canvas Game – 10 pogs</a:t>
+            </a:r>
+          </a:p>
+          <a:p>
+            <a:pPr lvl="1"/>
+            <a:r>
+              <a:rPr lang="en-US" dirty="0"/>
+              <a:t>The only person that has attempted the extra work in the DocPac in the last </a:t>
             </a:r>
             <a:r>
               <a:rPr lang="en-US"/>
-              <a:t>100 monitor</a:t>
-            </a:r>
+              <a:t>two months</a:t>
+            </a:r>
+            <a:endParaRPr lang="en-US" dirty="0"/>
           </a:p>
           <a:p>
             <a:endParaRPr lang="en-US" dirty="0"/>
